--- a/2.coding-level-one/syllabus.pptx
+++ b/2.coding-level-one/syllabus.pptx
@@ -194,7 +194,7 @@
           <a:p>
             <a:fld id="{9FFF2791-68C4-481E-BDEA-A7D7A84D8AEC}" type="datetimeFigureOut">
               <a:rPr lang="en-US" smtClean="0"/>
-              <a:t>12/3/2022</a:t>
+              <a:t>12/27/2022</a:t>
             </a:fld>
             <a:endParaRPr lang="en-US"/>
           </a:p>
@@ -643,7 +643,7 @@
           <a:p>
             <a:fld id="{C42C19D5-376C-45B2-BEEA-CA0D979080C1}" type="datetimeFigureOut">
               <a:rPr lang="en-US" smtClean="0"/>
-              <a:t>12/3/2022</a:t>
+              <a:t>12/27/2022</a:t>
             </a:fld>
             <a:endParaRPr lang="en-US"/>
           </a:p>
@@ -813,7 +813,7 @@
           <a:p>
             <a:fld id="{C42C19D5-376C-45B2-BEEA-CA0D979080C1}" type="datetimeFigureOut">
               <a:rPr lang="en-US" smtClean="0"/>
-              <a:t>12/3/2022</a:t>
+              <a:t>12/27/2022</a:t>
             </a:fld>
             <a:endParaRPr lang="en-US"/>
           </a:p>
@@ -993,7 +993,7 @@
           <a:p>
             <a:fld id="{C42C19D5-376C-45B2-BEEA-CA0D979080C1}" type="datetimeFigureOut">
               <a:rPr lang="en-US" smtClean="0"/>
-              <a:t>12/3/2022</a:t>
+              <a:t>12/27/2022</a:t>
             </a:fld>
             <a:endParaRPr lang="en-US"/>
           </a:p>
@@ -1163,7 +1163,7 @@
           <a:p>
             <a:fld id="{C42C19D5-376C-45B2-BEEA-CA0D979080C1}" type="datetimeFigureOut">
               <a:rPr lang="en-US" smtClean="0"/>
-              <a:t>12/3/2022</a:t>
+              <a:t>12/27/2022</a:t>
             </a:fld>
             <a:endParaRPr lang="en-US"/>
           </a:p>
@@ -1409,7 +1409,7 @@
           <a:p>
             <a:fld id="{C42C19D5-376C-45B2-BEEA-CA0D979080C1}" type="datetimeFigureOut">
               <a:rPr lang="en-US" smtClean="0"/>
-              <a:t>12/3/2022</a:t>
+              <a:t>12/27/2022</a:t>
             </a:fld>
             <a:endParaRPr lang="en-US"/>
           </a:p>
@@ -1697,7 +1697,7 @@
           <a:p>
             <a:fld id="{C42C19D5-376C-45B2-BEEA-CA0D979080C1}" type="datetimeFigureOut">
               <a:rPr lang="en-US" smtClean="0"/>
-              <a:t>12/3/2022</a:t>
+              <a:t>12/27/2022</a:t>
             </a:fld>
             <a:endParaRPr lang="en-US"/>
           </a:p>
@@ -2119,7 +2119,7 @@
           <a:p>
             <a:fld id="{C42C19D5-376C-45B2-BEEA-CA0D979080C1}" type="datetimeFigureOut">
               <a:rPr lang="en-US" smtClean="0"/>
-              <a:t>12/3/2022</a:t>
+              <a:t>12/27/2022</a:t>
             </a:fld>
             <a:endParaRPr lang="en-US"/>
           </a:p>
@@ -2237,7 +2237,7 @@
           <a:p>
             <a:fld id="{C42C19D5-376C-45B2-BEEA-CA0D979080C1}" type="datetimeFigureOut">
               <a:rPr lang="en-US" smtClean="0"/>
-              <a:t>12/3/2022</a:t>
+              <a:t>12/27/2022</a:t>
             </a:fld>
             <a:endParaRPr lang="en-US"/>
           </a:p>
@@ -2332,7 +2332,7 @@
           <a:p>
             <a:fld id="{C42C19D5-376C-45B2-BEEA-CA0D979080C1}" type="datetimeFigureOut">
               <a:rPr lang="en-US" smtClean="0"/>
-              <a:t>12/3/2022</a:t>
+              <a:t>12/27/2022</a:t>
             </a:fld>
             <a:endParaRPr lang="en-US"/>
           </a:p>
@@ -2609,7 +2609,7 @@
           <a:p>
             <a:fld id="{C42C19D5-376C-45B2-BEEA-CA0D979080C1}" type="datetimeFigureOut">
               <a:rPr lang="en-US" smtClean="0"/>
-              <a:t>12/3/2022</a:t>
+              <a:t>12/27/2022</a:t>
             </a:fld>
             <a:endParaRPr lang="en-US"/>
           </a:p>
@@ -2862,7 +2862,7 @@
           <a:p>
             <a:fld id="{C42C19D5-376C-45B2-BEEA-CA0D979080C1}" type="datetimeFigureOut">
               <a:rPr lang="en-US" smtClean="0"/>
-              <a:t>12/3/2022</a:t>
+              <a:t>12/27/2022</a:t>
             </a:fld>
             <a:endParaRPr lang="en-US"/>
           </a:p>
@@ -3075,7 +3075,7 @@
           <a:p>
             <a:fld id="{C42C19D5-376C-45B2-BEEA-CA0D979080C1}" type="datetimeFigureOut">
               <a:rPr lang="en-US" smtClean="0"/>
-              <a:t>12/3/2022</a:t>
+              <a:t>12/27/2022</a:t>
             </a:fld>
             <a:endParaRPr lang="en-US"/>
           </a:p>
@@ -3473,8 +3473,8 @@
         </p:blipFill>
         <p:spPr bwMode="auto">
           <a:xfrm>
-            <a:off x="381000" y="1600200"/>
-            <a:ext cx="8169507" cy="2806842"/>
+            <a:off x="1192924" y="1958656"/>
+            <a:ext cx="6629400" cy="2277699"/>
           </a:xfrm>
           <a:prstGeom prst="rect">
             <a:avLst/>
@@ -3543,61 +3543,23 @@
       </p:grpSpPr>
       <p:sp>
         <p:nvSpPr>
-          <p:cNvPr id="2" name="Title 1"/>
-          <p:cNvSpPr>
-            <a:spLocks noGrp="1"/>
-          </p:cNvSpPr>
-          <p:nvPr>
-            <p:ph type="title"/>
+          <p:cNvPr id="3" name="Content Placeholder 2"/>
+          <p:cNvSpPr>
+            <a:spLocks noGrp="1"/>
+          </p:cNvSpPr>
+          <p:nvPr>
+            <p:ph idx="1"/>
           </p:nvPr>
         </p:nvSpPr>
         <p:spPr>
           <a:xfrm>
-            <a:off x="880241" y="28903"/>
-            <a:ext cx="8229600" cy="1143000"/>
-          </a:xfrm>
-        </p:spPr>
-        <p:txBody>
-          <a:bodyPr>
-            <a:normAutofit/>
-          </a:bodyPr>
-          <a:lstStyle/>
-          <a:p>
-            <a:r>
-              <a:rPr lang="en-US" dirty="0" smtClean="0">
-                <a:solidFill>
-                  <a:srgbClr val="92D050"/>
-                </a:solidFill>
-              </a:rPr>
-              <a:t>Applied Coding - Language Skill</a:t>
-            </a:r>
-            <a:endParaRPr lang="en-US" dirty="0">
-              <a:solidFill>
-                <a:srgbClr val="92D050"/>
-              </a:solidFill>
-            </a:endParaRPr>
-          </a:p>
-        </p:txBody>
-      </p:sp>
-      <p:sp>
-        <p:nvSpPr>
-          <p:cNvPr id="3" name="Content Placeholder 2"/>
-          <p:cNvSpPr>
-            <a:spLocks noGrp="1"/>
-          </p:cNvSpPr>
-          <p:nvPr>
-            <p:ph idx="1"/>
-          </p:nvPr>
-        </p:nvSpPr>
-        <p:spPr>
-          <a:xfrm>
-            <a:off x="304800" y="1447800"/>
+            <a:off x="228600" y="1524000"/>
             <a:ext cx="8458200" cy="4876800"/>
           </a:xfrm>
         </p:spPr>
         <p:txBody>
           <a:bodyPr>
-            <a:normAutofit lnSpcReduction="10000"/>
+            <a:normAutofit fontScale="85000" lnSpcReduction="20000"/>
           </a:bodyPr>
           <a:lstStyle/>
           <a:p>
@@ -3612,13 +3574,6 @@
               </a:rPr>
               <a:t>Environment Setup</a:t>
             </a:r>
-            <a:endParaRPr lang="en-US" dirty="0" smtClean="0">
-              <a:solidFill>
-                <a:schemeClr val="accent6">
-                  <a:lumMod val="75000"/>
-                </a:schemeClr>
-              </a:solidFill>
-            </a:endParaRPr>
           </a:p>
           <a:p>
             <a:pPr algn="just"/>
@@ -3642,13 +3597,6 @@
               </a:rPr>
               <a:t>Expressions</a:t>
             </a:r>
-            <a:endParaRPr lang="en-US" dirty="0" smtClean="0">
-              <a:solidFill>
-                <a:schemeClr val="accent6">
-                  <a:lumMod val="75000"/>
-                </a:schemeClr>
-              </a:solidFill>
-            </a:endParaRPr>
           </a:p>
           <a:p>
             <a:pPr algn="just"/>
@@ -3716,15 +3664,18 @@
                   </a:schemeClr>
                 </a:solidFill>
               </a:rPr>
-              <a:t>Nested Loops</a:t>
-            </a:r>
-            <a:endParaRPr lang="en-US" dirty="0">
-              <a:solidFill>
-                <a:schemeClr val="accent6">
-                  <a:lumMod val="75000"/>
-                </a:schemeClr>
-              </a:solidFill>
-            </a:endParaRPr>
+              <a:t>Nested </a:t>
+            </a:r>
+            <a:r>
+              <a:rPr lang="en-US" dirty="0" smtClean="0">
+                <a:solidFill>
+                  <a:schemeClr val="accent6">
+                    <a:lumMod val="75000"/>
+                  </a:schemeClr>
+                </a:solidFill>
+              </a:rPr>
+              <a:t>Loops</a:t>
+            </a:r>
           </a:p>
           <a:p>
             <a:pPr algn="just"/>
@@ -3737,11 +3688,105 @@
             </a:endParaRPr>
           </a:p>
           <a:p>
+            <a:pPr algn="just"/>
+            <a:r>
+              <a:rPr lang="en-US" dirty="0">
+                <a:solidFill>
+                  <a:schemeClr val="accent6">
+                    <a:lumMod val="75000"/>
+                  </a:schemeClr>
+                </a:solidFill>
+              </a:rPr>
+              <a:t>Functions</a:t>
+            </a:r>
+          </a:p>
+          <a:p>
+            <a:pPr algn="just"/>
             <a:endParaRPr lang="en-US" dirty="0">
               <a:solidFill>
                 <a:schemeClr val="accent6">
                   <a:lumMod val="75000"/>
                 </a:schemeClr>
+              </a:solidFill>
+            </a:endParaRPr>
+          </a:p>
+          <a:p>
+            <a:pPr algn="just"/>
+            <a:endParaRPr lang="en-US" dirty="0" smtClean="0">
+              <a:solidFill>
+                <a:schemeClr val="accent6">
+                  <a:lumMod val="75000"/>
+                </a:schemeClr>
+              </a:solidFill>
+            </a:endParaRPr>
+          </a:p>
+          <a:p>
+            <a:endParaRPr lang="en-US" dirty="0">
+              <a:solidFill>
+                <a:schemeClr val="accent6">
+                  <a:lumMod val="75000"/>
+                </a:schemeClr>
+              </a:solidFill>
+            </a:endParaRPr>
+          </a:p>
+        </p:txBody>
+      </p:sp>
+      <p:sp>
+        <p:nvSpPr>
+          <p:cNvPr id="5" name="Title 1"/>
+          <p:cNvSpPr>
+            <a:spLocks noGrp="1"/>
+          </p:cNvSpPr>
+          <p:nvPr>
+            <p:ph type="title"/>
+          </p:nvPr>
+        </p:nvSpPr>
+        <p:spPr>
+          <a:xfrm>
+            <a:off x="457200" y="274638"/>
+            <a:ext cx="8229600" cy="1143000"/>
+          </a:xfrm>
+        </p:spPr>
+        <p:txBody>
+          <a:bodyPr>
+            <a:normAutofit fontScale="90000"/>
+          </a:bodyPr>
+          <a:lstStyle/>
+          <a:p>
+            <a:r>
+              <a:rPr lang="en-US" dirty="0" smtClean="0">
+                <a:solidFill>
+                  <a:srgbClr val="92D050"/>
+                </a:solidFill>
+              </a:rPr>
+              <a:t>Problem Solving &amp; Coding – Level I</a:t>
+            </a:r>
+            <a:br>
+              <a:rPr lang="en-US" dirty="0" smtClean="0">
+                <a:solidFill>
+                  <a:srgbClr val="92D050"/>
+                </a:solidFill>
+              </a:rPr>
+            </a:br>
+            <a:r>
+              <a:rPr lang="en-US" dirty="0" smtClean="0">
+                <a:solidFill>
+                  <a:srgbClr val="92D050"/>
+                </a:solidFill>
+              </a:rPr>
+              <a:t>(Language </a:t>
+            </a:r>
+            <a:r>
+              <a:rPr lang="en-US" dirty="0" smtClean="0">
+                <a:solidFill>
+                  <a:srgbClr val="92D050"/>
+                </a:solidFill>
+              </a:rPr>
+              <a:t>Foundations)</a:t>
+            </a:r>
+            <a:endParaRPr lang="en-US" dirty="0">
+              <a:solidFill>
+                <a:srgbClr val="92D050"/>
               </a:solidFill>
             </a:endParaRPr>
           </a:p>
@@ -3802,7 +3847,7 @@
         </p:spPr>
         <p:txBody>
           <a:bodyPr>
-            <a:normAutofit fontScale="92500" lnSpcReduction="20000"/>
+            <a:normAutofit fontScale="77500" lnSpcReduction="20000"/>
           </a:bodyPr>
           <a:lstStyle/>
           <a:p>
@@ -3815,7 +3860,7 @@
                   </a:schemeClr>
                 </a:solidFill>
               </a:rPr>
-              <a:t>Functions</a:t>
+              <a:t>Strings</a:t>
             </a:r>
             <a:endParaRPr lang="en-US" dirty="0" smtClean="0">
               <a:solidFill>
@@ -3845,15 +3890,8 @@
                   </a:schemeClr>
                 </a:solidFill>
               </a:rPr>
-              <a:t>Randomness</a:t>
-            </a:r>
-            <a:endParaRPr lang="en-US" dirty="0" smtClean="0">
-              <a:solidFill>
-                <a:schemeClr val="accent6">
-                  <a:lumMod val="75000"/>
-                </a:schemeClr>
-              </a:solidFill>
-            </a:endParaRPr>
+              <a:t>Randomness &amp; Simulation</a:t>
+            </a:r>
           </a:p>
           <a:p>
             <a:pPr algn="just"/>
@@ -3875,8 +3913,15 @@
                   </a:schemeClr>
                 </a:solidFill>
               </a:rPr>
-              <a:t>List &amp; Tuple</a:t>
-            </a:r>
+              <a:t>File IO</a:t>
+            </a:r>
+            <a:endParaRPr lang="en-US" dirty="0" smtClean="0">
+              <a:solidFill>
+                <a:schemeClr val="accent6">
+                  <a:lumMod val="75000"/>
+                </a:schemeClr>
+              </a:solidFill>
+            </a:endParaRPr>
           </a:p>
           <a:p>
             <a:pPr algn="just"/>
@@ -3898,7 +3943,7 @@
                   </a:schemeClr>
                 </a:solidFill>
               </a:rPr>
-              <a:t>Set &amp; Map/Dictionary</a:t>
+              <a:t>Array</a:t>
             </a:r>
           </a:p>
           <a:p>
@@ -3921,8 +3966,15 @@
                   </a:schemeClr>
                 </a:solidFill>
               </a:rPr>
-              <a:t>Files-I</a:t>
-            </a:r>
+              <a:t>Vector/List</a:t>
+            </a:r>
+            <a:endParaRPr lang="en-US" dirty="0" smtClean="0">
+              <a:solidFill>
+                <a:schemeClr val="accent6">
+                  <a:lumMod val="75000"/>
+                </a:schemeClr>
+              </a:solidFill>
+            </a:endParaRPr>
           </a:p>
           <a:p>
             <a:pPr algn="just"/>
@@ -3944,8 +3996,41 @@
                   </a:schemeClr>
                 </a:solidFill>
               </a:rPr>
-              <a:t>Files-II</a:t>
-            </a:r>
+              <a:t>Map/Dictionary</a:t>
+            </a:r>
+          </a:p>
+          <a:p>
+            <a:pPr algn="just"/>
+            <a:endParaRPr lang="en-US" dirty="0">
+              <a:solidFill>
+                <a:schemeClr val="accent6">
+                  <a:lumMod val="75000"/>
+                </a:schemeClr>
+              </a:solidFill>
+            </a:endParaRPr>
+          </a:p>
+          <a:p>
+            <a:pPr algn="just"/>
+            <a:r>
+              <a:rPr lang="en-US" dirty="0" smtClean="0">
+                <a:solidFill>
+                  <a:schemeClr val="accent6">
+                    <a:lumMod val="75000"/>
+                  </a:schemeClr>
+                </a:solidFill>
+              </a:rPr>
+              <a:t>Sorting</a:t>
+            </a:r>
+            <a:endParaRPr lang="en-US" dirty="0" smtClean="0">
+              <a:solidFill>
+                <a:schemeClr val="accent6">
+                  <a:lumMod val="75000"/>
+                </a:schemeClr>
+              </a:solidFill>
+            </a:endParaRPr>
+          </a:p>
+          <a:p>
+            <a:pPr algn="just"/>
             <a:endParaRPr lang="en-US" dirty="0">
               <a:solidFill>
                 <a:schemeClr val="accent6">
@@ -3977,7 +4062,7 @@
       </p:sp>
       <p:sp>
         <p:nvSpPr>
-          <p:cNvPr id="5" name="Title 1"/>
+          <p:cNvPr id="6" name="Title 1"/>
           <p:cNvSpPr>
             <a:spLocks noGrp="1"/>
           </p:cNvSpPr>
@@ -3987,13 +4072,13 @@
         </p:nvSpPr>
         <p:spPr>
           <a:xfrm>
-            <a:off x="880241" y="28903"/>
+            <a:off x="457200" y="274638"/>
             <a:ext cx="8229600" cy="1143000"/>
           </a:xfrm>
         </p:spPr>
         <p:txBody>
           <a:bodyPr>
-            <a:normAutofit/>
+            <a:normAutofit fontScale="90000"/>
           </a:bodyPr>
           <a:lstStyle/>
           <a:p>
@@ -4003,7 +4088,30 @@
                   <a:srgbClr val="92D050"/>
                 </a:solidFill>
               </a:rPr>
-              <a:t>Applied Coding - Language Skill</a:t>
+              <a:t>Problem Solving &amp; Coding – Level I</a:t>
+            </a:r>
+            <a:br>
+              <a:rPr lang="en-US" dirty="0" smtClean="0">
+                <a:solidFill>
+                  <a:srgbClr val="92D050"/>
+                </a:solidFill>
+              </a:rPr>
+            </a:br>
+            <a:r>
+              <a:rPr lang="en-US" dirty="0" smtClean="0">
+                <a:solidFill>
+                  <a:srgbClr val="92D050"/>
+                </a:solidFill>
+              </a:rPr>
+              <a:t>(Language </a:t>
+            </a:r>
+            <a:r>
+              <a:rPr lang="en-US" dirty="0" smtClean="0">
+                <a:solidFill>
+                  <a:srgbClr val="92D050"/>
+                </a:solidFill>
+              </a:rPr>
+              <a:t>Foundations)</a:t>
             </a:r>
             <a:endParaRPr lang="en-US" dirty="0">
               <a:solidFill>
